--- a/Portfolio_Presentation-Zelazny.pptx
+++ b/Portfolio_Presentation-Zelazny.pptx
@@ -13,6 +13,7 @@
     <p:sldId id="261" r:id="rId7"/>
     <p:sldId id="262" r:id="rId8"/>
     <p:sldId id="263" r:id="rId9"/>
+    <p:sldId id="264" r:id="rId10"/>
   </p:sldIdLst>
   <p:sldSz cx="12192000" cy="6858000"/>
   <p:notesSz cx="6858000" cy="9144000"/>
@@ -111,6 +112,11 @@
       </a:defRPr>
     </a:lvl9pPr>
   </p:defaultTextStyle>
+  <p:extLst>
+    <p:ext uri="{EFAFB233-063F-42B5-8137-9DF3F51BA10A}">
+      <p15:sldGuideLst xmlns:p15="http://schemas.microsoft.com/office/powerpoint/2012/main"/>
+    </p:ext>
+  </p:extLst>
 </p:presentation>
 </file>
 
@@ -340,7 +346,7 @@
           <a:p>
             <a:fld id="{2E68B000-CD12-4644-B843-E172988ED0E6}" type="datetimeFigureOut">
               <a:rPr lang="en-US" smtClean="0"/>
-              <a:t>12/5/2021</a:t>
+              <a:t>12/6/2021</a:t>
             </a:fld>
             <a:endParaRPr lang="en-US"/>
           </a:p>
@@ -548,7 +554,7 @@
           <a:p>
             <a:fld id="{2E68B000-CD12-4644-B843-E172988ED0E6}" type="datetimeFigureOut">
               <a:rPr lang="en-US" smtClean="0"/>
-              <a:t>12/5/2021</a:t>
+              <a:t>12/6/2021</a:t>
             </a:fld>
             <a:endParaRPr lang="en-US"/>
           </a:p>
@@ -804,7 +810,7 @@
           <a:p>
             <a:fld id="{2E68B000-CD12-4644-B843-E172988ED0E6}" type="datetimeFigureOut">
               <a:rPr lang="en-US" smtClean="0"/>
-              <a:t>12/5/2021</a:t>
+              <a:t>12/6/2021</a:t>
             </a:fld>
             <a:endParaRPr lang="en-US"/>
           </a:p>
@@ -978,7 +984,7 @@
           <a:p>
             <a:fld id="{2E68B000-CD12-4644-B843-E172988ED0E6}" type="datetimeFigureOut">
               <a:rPr lang="en-US" smtClean="0"/>
-              <a:t>12/5/2021</a:t>
+              <a:t>12/6/2021</a:t>
             </a:fld>
             <a:endParaRPr lang="en-US"/>
           </a:p>
@@ -1321,7 +1327,7 @@
           <a:p>
             <a:fld id="{2E68B000-CD12-4644-B843-E172988ED0E6}" type="datetimeFigureOut">
               <a:rPr lang="en-US" smtClean="0"/>
-              <a:t>12/5/2021</a:t>
+              <a:t>12/6/2021</a:t>
             </a:fld>
             <a:endParaRPr lang="en-US"/>
           </a:p>
@@ -1596,7 +1602,7 @@
           <a:p>
             <a:fld id="{2E68B000-CD12-4644-B843-E172988ED0E6}" type="datetimeFigureOut">
               <a:rPr lang="en-US" smtClean="0"/>
-              <a:t>12/5/2021</a:t>
+              <a:t>12/6/2021</a:t>
             </a:fld>
             <a:endParaRPr lang="en-US"/>
           </a:p>
@@ -1975,7 +1981,7 @@
           <a:p>
             <a:fld id="{2E68B000-CD12-4644-B843-E172988ED0E6}" type="datetimeFigureOut">
               <a:rPr lang="en-US" smtClean="0"/>
-              <a:t>12/5/2021</a:t>
+              <a:t>12/6/2021</a:t>
             </a:fld>
             <a:endParaRPr lang="en-US"/>
           </a:p>
@@ -2093,7 +2099,7 @@
           <a:p>
             <a:fld id="{2E68B000-CD12-4644-B843-E172988ED0E6}" type="datetimeFigureOut">
               <a:rPr lang="en-US" smtClean="0"/>
-              <a:t>12/5/2021</a:t>
+              <a:t>12/6/2021</a:t>
             </a:fld>
             <a:endParaRPr lang="en-US"/>
           </a:p>
@@ -2264,7 +2270,7 @@
           <a:p>
             <a:fld id="{2E68B000-CD12-4644-B843-E172988ED0E6}" type="datetimeFigureOut">
               <a:rPr lang="en-US" smtClean="0"/>
-              <a:t>12/5/2021</a:t>
+              <a:t>12/6/2021</a:t>
             </a:fld>
             <a:endParaRPr lang="en-US"/>
           </a:p>
@@ -2618,7 +2624,7 @@
           <a:p>
             <a:fld id="{2E68B000-CD12-4644-B843-E172988ED0E6}" type="datetimeFigureOut">
               <a:rPr lang="en-US" smtClean="0"/>
-              <a:t>12/5/2021</a:t>
+              <a:t>12/6/2021</a:t>
             </a:fld>
             <a:endParaRPr lang="en-US"/>
           </a:p>
@@ -3000,7 +3006,7 @@
           <a:p>
             <a:fld id="{2E68B000-CD12-4644-B843-E172988ED0E6}" type="datetimeFigureOut">
               <a:rPr lang="en-US" smtClean="0"/>
-              <a:t>12/5/2021</a:t>
+              <a:t>12/6/2021</a:t>
             </a:fld>
             <a:endParaRPr lang="en-US"/>
           </a:p>
@@ -3287,7 +3293,7 @@
           <a:p>
             <a:fld id="{2E68B000-CD12-4644-B843-E172988ED0E6}" type="datetimeFigureOut">
               <a:rPr lang="en-US" smtClean="0"/>
-              <a:t>12/5/2021</a:t>
+              <a:t>12/6/2021</a:t>
             </a:fld>
             <a:endParaRPr lang="en-US"/>
           </a:p>
@@ -3873,6 +3879,44 @@
           </a:p>
         </p:txBody>
       </p:sp>
+      <p:pic>
+        <p:nvPicPr>
+          <p:cNvPr id="5" name="Audio 4">
+            <a:hlinkClick r:id="" action="ppaction://media"/>
+            <a:extLst>
+              <a:ext uri="{FF2B5EF4-FFF2-40B4-BE49-F238E27FC236}">
+                <a16:creationId xmlns:a16="http://schemas.microsoft.com/office/drawing/2014/main" id="{A524CAB0-683D-4FE5-80D9-0E5D26D022CC}"/>
+              </a:ext>
+            </a:extLst>
+          </p:cNvPr>
+          <p:cNvPicPr>
+            <a:picLocks noChangeAspect="1"/>
+          </p:cNvPicPr>
+          <p:nvPr>
+            <a:audioFile r:link="rId2"/>
+            <p:extLst>
+              <p:ext uri="{DAA4B4D4-6D71-4841-9C94-3DE7FCFB9230}">
+                <p14:media xmlns:p14="http://schemas.microsoft.com/office/powerpoint/2010/main" r:embed="rId1"/>
+              </p:ext>
+            </p:extLst>
+          </p:nvPr>
+        </p:nvPicPr>
+        <p:blipFill>
+          <a:blip r:embed="rId4"/>
+          <a:stretch>
+            <a:fillRect/>
+          </a:stretch>
+        </p:blipFill>
+        <p:spPr>
+          <a:xfrm>
+            <a:off x="11430000" y="6096000"/>
+            <a:ext cx="609600" cy="609600"/>
+          </a:xfrm>
+          <a:prstGeom prst="rect">
+            <a:avLst/>
+          </a:prstGeom>
+        </p:spPr>
+      </p:pic>
     </p:spTree>
     <p:extLst>
       <p:ext uri="{BB962C8B-B14F-4D97-AF65-F5344CB8AC3E}">
@@ -3883,6 +3927,93 @@
   <p:clrMapOvr>
     <a:masterClrMapping/>
   </p:clrMapOvr>
+  <p:timing>
+    <p:tnLst>
+      <p:par>
+        <p:cTn id="1" dur="indefinite" restart="never" nodeType="tmRoot">
+          <p:childTnLst>
+            <p:seq concurrent="1" nextAc="seek">
+              <p:cTn id="2" dur="indefinite" nodeType="mainSeq">
+                <p:childTnLst>
+                  <p:par>
+                    <p:cTn id="3" fill="hold">
+                      <p:stCondLst>
+                        <p:cond delay="indefinite"/>
+                        <p:cond evt="onBegin" delay="0">
+                          <p:tn val="2"/>
+                        </p:cond>
+                      </p:stCondLst>
+                      <p:childTnLst>
+                        <p:par>
+                          <p:cTn id="4" fill="hold">
+                            <p:stCondLst>
+                              <p:cond delay="0"/>
+                            </p:stCondLst>
+                            <p:childTnLst>
+                              <p:par>
+                                <p:cTn id="5" presetID="1" presetClass="mediacall" presetSubtype="0" fill="hold" nodeType="afterEffect">
+                                  <p:stCondLst>
+                                    <p:cond delay="0"/>
+                                  </p:stCondLst>
+                                  <p:childTnLst>
+                                    <p:cmd type="call" cmd="playFrom(0.0)">
+                                      <p:cBhvr>
+                                        <p:cTn id="6" dur="1" fill="hold"/>
+                                        <p:tgtEl>
+                                          <p:spTgt spid="5"/>
+                                        </p:tgtEl>
+                                      </p:cBhvr>
+                                    </p:cmd>
+                                  </p:childTnLst>
+                                </p:cTn>
+                              </p:par>
+                            </p:childTnLst>
+                          </p:cTn>
+                        </p:par>
+                      </p:childTnLst>
+                    </p:cTn>
+                  </p:par>
+                </p:childTnLst>
+              </p:cTn>
+              <p:prevCondLst>
+                <p:cond evt="onPrev" delay="0">
+                  <p:tgtEl>
+                    <p:sldTgt/>
+                  </p:tgtEl>
+                </p:cond>
+              </p:prevCondLst>
+              <p:nextCondLst>
+                <p:cond evt="onNext" delay="0">
+                  <p:tgtEl>
+                    <p:sldTgt/>
+                  </p:tgtEl>
+                </p:cond>
+              </p:nextCondLst>
+            </p:seq>
+            <p:audio isNarration="1">
+              <p:cMediaNode vol="80000" showWhenStopped="0">
+                <p:cTn id="7" fill="hold" display="0">
+                  <p:stCondLst>
+                    <p:cond delay="indefinite"/>
+                  </p:stCondLst>
+                  <p:endCondLst>
+                    <p:cond evt="onStopAudio" delay="0">
+                      <p:tgtEl>
+                        <p:sldTgt/>
+                      </p:tgtEl>
+                    </p:cond>
+                  </p:endCondLst>
+                </p:cTn>
+                <p:tgtEl>
+                  <p:spTgt spid="5"/>
+                </p:tgtEl>
+              </p:cMediaNode>
+            </p:audio>
+          </p:childTnLst>
+        </p:cTn>
+      </p:par>
+    </p:tnLst>
+  </p:timing>
 </p:sld>
 </file>
 
@@ -4178,6 +4309,44 @@
           </a:p>
         </p:txBody>
       </p:sp>
+      <p:pic>
+        <p:nvPicPr>
+          <p:cNvPr id="4" name="Audio 3">
+            <a:hlinkClick r:id="" action="ppaction://media"/>
+            <a:extLst>
+              <a:ext uri="{FF2B5EF4-FFF2-40B4-BE49-F238E27FC236}">
+                <a16:creationId xmlns:a16="http://schemas.microsoft.com/office/drawing/2014/main" id="{408FF329-4DB8-4D24-B4B3-87DAC3D41068}"/>
+              </a:ext>
+            </a:extLst>
+          </p:cNvPr>
+          <p:cNvPicPr>
+            <a:picLocks noChangeAspect="1"/>
+          </p:cNvPicPr>
+          <p:nvPr>
+            <a:audioFile r:link="rId2"/>
+            <p:extLst>
+              <p:ext uri="{DAA4B4D4-6D71-4841-9C94-3DE7FCFB9230}">
+                <p14:media xmlns:p14="http://schemas.microsoft.com/office/powerpoint/2010/main" r:embed="rId1"/>
+              </p:ext>
+            </p:extLst>
+          </p:nvPr>
+        </p:nvPicPr>
+        <p:blipFill>
+          <a:blip r:embed="rId4"/>
+          <a:stretch>
+            <a:fillRect/>
+          </a:stretch>
+        </p:blipFill>
+        <p:spPr>
+          <a:xfrm>
+            <a:off x="11430000" y="6096000"/>
+            <a:ext cx="609600" cy="609600"/>
+          </a:xfrm>
+          <a:prstGeom prst="rect">
+            <a:avLst/>
+          </a:prstGeom>
+        </p:spPr>
+      </p:pic>
     </p:spTree>
     <p:extLst>
       <p:ext uri="{BB962C8B-B14F-4D97-AF65-F5344CB8AC3E}">
@@ -4188,6 +4357,93 @@
   <p:clrMapOvr>
     <a:masterClrMapping/>
   </p:clrMapOvr>
+  <p:timing>
+    <p:tnLst>
+      <p:par>
+        <p:cTn id="1" dur="indefinite" restart="never" nodeType="tmRoot">
+          <p:childTnLst>
+            <p:seq concurrent="1" nextAc="seek">
+              <p:cTn id="2" dur="indefinite" nodeType="mainSeq">
+                <p:childTnLst>
+                  <p:par>
+                    <p:cTn id="3" fill="hold">
+                      <p:stCondLst>
+                        <p:cond delay="indefinite"/>
+                        <p:cond evt="onBegin" delay="0">
+                          <p:tn val="2"/>
+                        </p:cond>
+                      </p:stCondLst>
+                      <p:childTnLst>
+                        <p:par>
+                          <p:cTn id="4" fill="hold">
+                            <p:stCondLst>
+                              <p:cond delay="0"/>
+                            </p:stCondLst>
+                            <p:childTnLst>
+                              <p:par>
+                                <p:cTn id="5" presetID="1" presetClass="mediacall" presetSubtype="0" fill="hold" nodeType="afterEffect">
+                                  <p:stCondLst>
+                                    <p:cond delay="0"/>
+                                  </p:stCondLst>
+                                  <p:childTnLst>
+                                    <p:cmd type="call" cmd="playFrom(0.0)">
+                                      <p:cBhvr>
+                                        <p:cTn id="6" dur="1" fill="hold"/>
+                                        <p:tgtEl>
+                                          <p:spTgt spid="4"/>
+                                        </p:tgtEl>
+                                      </p:cBhvr>
+                                    </p:cmd>
+                                  </p:childTnLst>
+                                </p:cTn>
+                              </p:par>
+                            </p:childTnLst>
+                          </p:cTn>
+                        </p:par>
+                      </p:childTnLst>
+                    </p:cTn>
+                  </p:par>
+                </p:childTnLst>
+              </p:cTn>
+              <p:prevCondLst>
+                <p:cond evt="onPrev" delay="0">
+                  <p:tgtEl>
+                    <p:sldTgt/>
+                  </p:tgtEl>
+                </p:cond>
+              </p:prevCondLst>
+              <p:nextCondLst>
+                <p:cond evt="onNext" delay="0">
+                  <p:tgtEl>
+                    <p:sldTgt/>
+                  </p:tgtEl>
+                </p:cond>
+              </p:nextCondLst>
+            </p:seq>
+            <p:audio isNarration="1">
+              <p:cMediaNode vol="80000" showWhenStopped="0">
+                <p:cTn id="7" fill="hold" display="0">
+                  <p:stCondLst>
+                    <p:cond delay="indefinite"/>
+                  </p:stCondLst>
+                  <p:endCondLst>
+                    <p:cond evt="onStopAudio" delay="0">
+                      <p:tgtEl>
+                        <p:sldTgt/>
+                      </p:tgtEl>
+                    </p:cond>
+                  </p:endCondLst>
+                </p:cTn>
+                <p:tgtEl>
+                  <p:spTgt spid="4"/>
+                </p:tgtEl>
+              </p:cMediaNode>
+            </p:audio>
+          </p:childTnLst>
+        </p:cTn>
+      </p:par>
+    </p:tnLst>
+  </p:timing>
 </p:sld>
 </file>
 
@@ -4306,36 +4562,35 @@
           </a:p>
         </p:txBody>
       </p:sp>
-      <p:sp>
-        <p:nvSpPr>
-          <p:cNvPr id="6" name="Content Placeholder 5">
+      <p:pic>
+        <p:nvPicPr>
+          <p:cNvPr id="3" name="Content Placeholder 2">
             <a:extLst>
               <a:ext uri="{FF2B5EF4-FFF2-40B4-BE49-F238E27FC236}">
-                <a16:creationId xmlns:a16="http://schemas.microsoft.com/office/drawing/2014/main" id="{1812EB2B-00F3-4CAD-AEDB-7D7289EAC007}"/>
+                <a16:creationId xmlns:a16="http://schemas.microsoft.com/office/drawing/2014/main" id="{34023056-3FA9-4185-AF20-3091DC6B7C7B}"/>
               </a:ext>
             </a:extLst>
           </p:cNvPr>
-          <p:cNvSpPr>
-            <a:spLocks noGrp="1"/>
-          </p:cNvSpPr>
+          <p:cNvPicPr>
+            <a:picLocks noGrp="1" noChangeAspect="1"/>
+          </p:cNvPicPr>
           <p:nvPr>
             <p:ph sz="half" idx="2"/>
           </p:nvPr>
-        </p:nvSpPr>
-        <p:spPr>
-          <a:xfrm>
-            <a:off x="3505200" y="1845735"/>
-            <a:ext cx="7650480" cy="4023360"/>
-          </a:xfrm>
-        </p:spPr>
-        <p:txBody>
-          <a:bodyPr/>
-          <a:lstStyle/>
-          <a:p>
-            <a:endParaRPr lang="en-US"/>
-          </a:p>
-        </p:txBody>
-      </p:sp>
+        </p:nvPicPr>
+        <p:blipFill>
+          <a:blip r:embed="rId2"/>
+          <a:stretch>
+            <a:fillRect/>
+          </a:stretch>
+        </p:blipFill>
+        <p:spPr>
+          <a:xfrm>
+            <a:off x="3692951" y="1846263"/>
+            <a:ext cx="7274661" cy="4022725"/>
+          </a:xfrm>
+        </p:spPr>
+      </p:pic>
     </p:spTree>
     <p:extLst>
       <p:ext uri="{BB962C8B-B14F-4D97-AF65-F5344CB8AC3E}">
@@ -4413,7 +4668,7 @@
         <p:spPr>
           <a:xfrm>
             <a:off x="1097279" y="1845734"/>
-            <a:ext cx="2293621" cy="4023360"/>
+            <a:ext cx="2611121" cy="4023360"/>
           </a:xfrm>
         </p:spPr>
         <p:txBody>
@@ -4430,54 +4685,59 @@
             </a:r>
           </a:p>
           <a:p>
-            <a:pPr>
+            <a:pPr lvl="1">
               <a:buFont typeface="Wingdings" panose="05000000000000000000" pitchFamily="2" charset="2"/>
               <a:buChar char="Ø"/>
             </a:pPr>
             <a:endParaRPr lang="en-US" dirty="0"/>
           </a:p>
           <a:p>
-            <a:pPr>
+            <a:pPr lvl="1">
               <a:buFont typeface="Wingdings" panose="05000000000000000000" pitchFamily="2" charset="2"/>
               <a:buChar char="Ø"/>
             </a:pPr>
             <a:r>
               <a:rPr lang="en-US" dirty="0"/>
-              <a:t> Actionable insights in different contexts</a:t>
-            </a:r>
-          </a:p>
-        </p:txBody>
-      </p:sp>
-      <p:sp>
-        <p:nvSpPr>
-          <p:cNvPr id="6" name="Content Placeholder 5">
+              <a:t>Bottom Line up Front</a:t>
+            </a:r>
+          </a:p>
+          <a:p>
+            <a:pPr marL="0" indent="0">
+              <a:buNone/>
+            </a:pPr>
+            <a:endParaRPr lang="en-US" dirty="0"/>
+          </a:p>
+        </p:txBody>
+      </p:sp>
+      <p:pic>
+        <p:nvPicPr>
+          <p:cNvPr id="3" name="Content Placeholder 2">
             <a:extLst>
               <a:ext uri="{FF2B5EF4-FFF2-40B4-BE49-F238E27FC236}">
-                <a16:creationId xmlns:a16="http://schemas.microsoft.com/office/drawing/2014/main" id="{1812EB2B-00F3-4CAD-AEDB-7D7289EAC007}"/>
+                <a16:creationId xmlns:a16="http://schemas.microsoft.com/office/drawing/2014/main" id="{D35709AE-8FB9-4E5D-BA86-A9F3630248E6}"/>
               </a:ext>
             </a:extLst>
           </p:cNvPr>
-          <p:cNvSpPr>
-            <a:spLocks noGrp="1"/>
-          </p:cNvSpPr>
+          <p:cNvPicPr>
+            <a:picLocks noGrp="1" noChangeAspect="1"/>
+          </p:cNvPicPr>
           <p:nvPr>
             <p:ph sz="half" idx="2"/>
           </p:nvPr>
-        </p:nvSpPr>
-        <p:spPr>
-          <a:xfrm>
-            <a:off x="3505200" y="1845735"/>
-            <a:ext cx="7650480" cy="4023360"/>
-          </a:xfrm>
-        </p:spPr>
-        <p:txBody>
-          <a:bodyPr/>
-          <a:lstStyle/>
-          <a:p>
-            <a:endParaRPr lang="en-US"/>
-          </a:p>
-        </p:txBody>
-      </p:sp>
+        </p:nvPicPr>
+        <p:blipFill>
+          <a:blip r:embed="rId2"/>
+          <a:stretch>
+            <a:fillRect/>
+          </a:stretch>
+        </p:blipFill>
+        <p:spPr>
+          <a:xfrm>
+            <a:off x="3953197" y="2157175"/>
+            <a:ext cx="6754168" cy="3400900"/>
+          </a:xfrm>
+        </p:spPr>
+      </p:pic>
     </p:spTree>
     <p:extLst>
       <p:ext uri="{BB962C8B-B14F-4D97-AF65-F5344CB8AC3E}">
@@ -4649,38 +4909,38 @@
           </a:p>
         </p:txBody>
       </p:sp>
-      <p:sp>
-        <p:nvSpPr>
-          <p:cNvPr id="6" name="Content Placeholder 5">
+      <p:pic>
+        <p:nvPicPr>
+          <p:cNvPr id="7" name="Content Placeholder 6">
             <a:extLst>
               <a:ext uri="{FF2B5EF4-FFF2-40B4-BE49-F238E27FC236}">
-                <a16:creationId xmlns:a16="http://schemas.microsoft.com/office/drawing/2014/main" id="{1812EB2B-00F3-4CAD-AEDB-7D7289EAC007}"/>
+                <a16:creationId xmlns:a16="http://schemas.microsoft.com/office/drawing/2014/main" id="{DEFD63DA-5753-487D-A236-8248933812B0}"/>
               </a:ext>
             </a:extLst>
           </p:cNvPr>
-          <p:cNvSpPr>
-            <a:spLocks noGrp="1"/>
-          </p:cNvSpPr>
+          <p:cNvPicPr>
+            <a:picLocks noGrp="1" noChangeAspect="1"/>
+          </p:cNvPicPr>
           <p:nvPr>
             <p:ph sz="half" idx="2"/>
           </p:nvPr>
-        </p:nvSpPr>
-        <p:spPr>
-          <a:xfrm>
-            <a:off x="3505200" y="1845735"/>
-            <a:ext cx="7650480" cy="4023360"/>
-          </a:xfrm>
-        </p:spPr>
-        <p:txBody>
-          <a:bodyPr>
-            <a:normAutofit fontScale="92500" lnSpcReduction="20000"/>
-          </a:bodyPr>
-          <a:lstStyle/>
-          <a:p>
-            <a:endParaRPr lang="en-US"/>
-          </a:p>
-        </p:txBody>
-      </p:sp>
+        </p:nvPicPr>
+        <p:blipFill>
+          <a:blip r:embed="rId2"/>
+          <a:stretch>
+            <a:fillRect/>
+          </a:stretch>
+        </p:blipFill>
+        <p:spPr>
+          <a:xfrm>
+            <a:off x="4071129" y="1846263"/>
+            <a:ext cx="6518304" cy="4022725"/>
+          </a:xfrm>
+          <a:prstGeom prst="rect">
+            <a:avLst/>
+          </a:prstGeom>
+        </p:spPr>
+      </p:pic>
     </p:spTree>
     <p:extLst>
       <p:ext uri="{BB962C8B-B14F-4D97-AF65-F5344CB8AC3E}">
@@ -4817,38 +5077,35 @@
           </a:p>
         </p:txBody>
       </p:sp>
-      <p:sp>
-        <p:nvSpPr>
-          <p:cNvPr id="6" name="Content Placeholder 5">
+      <p:pic>
+        <p:nvPicPr>
+          <p:cNvPr id="3" name="Content Placeholder 2">
             <a:extLst>
               <a:ext uri="{FF2B5EF4-FFF2-40B4-BE49-F238E27FC236}">
-                <a16:creationId xmlns:a16="http://schemas.microsoft.com/office/drawing/2014/main" id="{1812EB2B-00F3-4CAD-AEDB-7D7289EAC007}"/>
+                <a16:creationId xmlns:a16="http://schemas.microsoft.com/office/drawing/2014/main" id="{BD25FD63-2AEF-4B03-A7EA-1C9D34DFDF00}"/>
               </a:ext>
             </a:extLst>
           </p:cNvPr>
-          <p:cNvSpPr>
-            <a:spLocks noGrp="1"/>
-          </p:cNvSpPr>
+          <p:cNvPicPr>
+            <a:picLocks noGrp="1" noChangeAspect="1"/>
+          </p:cNvPicPr>
           <p:nvPr>
             <p:ph sz="half" idx="2"/>
           </p:nvPr>
-        </p:nvSpPr>
-        <p:spPr>
-          <a:xfrm>
-            <a:off x="3505200" y="1845735"/>
-            <a:ext cx="7650480" cy="4023360"/>
-          </a:xfrm>
-        </p:spPr>
-        <p:txBody>
-          <a:bodyPr>
-            <a:normAutofit/>
-          </a:bodyPr>
-          <a:lstStyle/>
-          <a:p>
-            <a:endParaRPr lang="en-US"/>
-          </a:p>
-        </p:txBody>
-      </p:sp>
+        </p:nvPicPr>
+        <p:blipFill>
+          <a:blip r:embed="rId2"/>
+          <a:stretch>
+            <a:fillRect/>
+          </a:stretch>
+        </p:blipFill>
+        <p:spPr>
+          <a:xfrm>
+            <a:off x="3653746" y="1846263"/>
+            <a:ext cx="7353071" cy="4022725"/>
+          </a:xfrm>
+        </p:spPr>
+      </p:pic>
     </p:spTree>
     <p:extLst>
       <p:ext uri="{BB962C8B-B14F-4D97-AF65-F5344CB8AC3E}">
@@ -4980,38 +5237,35 @@
           </a:p>
         </p:txBody>
       </p:sp>
-      <p:sp>
-        <p:nvSpPr>
-          <p:cNvPr id="6" name="Content Placeholder 5">
+      <p:pic>
+        <p:nvPicPr>
+          <p:cNvPr id="3" name="Content Placeholder 2">
             <a:extLst>
               <a:ext uri="{FF2B5EF4-FFF2-40B4-BE49-F238E27FC236}">
-                <a16:creationId xmlns:a16="http://schemas.microsoft.com/office/drawing/2014/main" id="{1812EB2B-00F3-4CAD-AEDB-7D7289EAC007}"/>
+                <a16:creationId xmlns:a16="http://schemas.microsoft.com/office/drawing/2014/main" id="{99D55D80-DF8D-4D57-BDA9-212B48426AD1}"/>
               </a:ext>
             </a:extLst>
           </p:cNvPr>
-          <p:cNvSpPr>
-            <a:spLocks noGrp="1"/>
-          </p:cNvSpPr>
+          <p:cNvPicPr>
+            <a:picLocks noGrp="1" noChangeAspect="1"/>
+          </p:cNvPicPr>
           <p:nvPr>
             <p:ph sz="half" idx="2"/>
           </p:nvPr>
-        </p:nvSpPr>
-        <p:spPr>
-          <a:xfrm>
-            <a:off x="3505200" y="1845735"/>
-            <a:ext cx="7650480" cy="4023360"/>
-          </a:xfrm>
-        </p:spPr>
-        <p:txBody>
-          <a:bodyPr>
-            <a:normAutofit/>
-          </a:bodyPr>
-          <a:lstStyle/>
-          <a:p>
-            <a:endParaRPr lang="en-US"/>
-          </a:p>
-        </p:txBody>
-      </p:sp>
+        </p:nvPicPr>
+        <p:blipFill>
+          <a:blip r:embed="rId2"/>
+          <a:stretch>
+            <a:fillRect/>
+          </a:stretch>
+        </p:blipFill>
+        <p:spPr>
+          <a:xfrm>
+            <a:off x="4886269" y="1846263"/>
+            <a:ext cx="4888025" cy="4022725"/>
+          </a:xfrm>
+        </p:spPr>
+      </p:pic>
     </p:spTree>
     <p:extLst>
       <p:ext uri="{BB962C8B-B14F-4D97-AF65-F5344CB8AC3E}">
@@ -5133,42 +5387,112 @@
           </a:p>
         </p:txBody>
       </p:sp>
-      <p:sp>
-        <p:nvSpPr>
-          <p:cNvPr id="6" name="Content Placeholder 5">
+      <p:pic>
+        <p:nvPicPr>
+          <p:cNvPr id="7" name="Google Shape;306;p28">
             <a:extLst>
               <a:ext uri="{FF2B5EF4-FFF2-40B4-BE49-F238E27FC236}">
-                <a16:creationId xmlns:a16="http://schemas.microsoft.com/office/drawing/2014/main" id="{1812EB2B-00F3-4CAD-AEDB-7D7289EAC007}"/>
+                <a16:creationId xmlns:a16="http://schemas.microsoft.com/office/drawing/2014/main" id="{4A9385F2-A925-4A67-958D-7B34572ED22C}"/>
               </a:ext>
             </a:extLst>
           </p:cNvPr>
-          <p:cNvSpPr>
-            <a:spLocks noGrp="1"/>
-          </p:cNvSpPr>
+          <p:cNvPicPr preferRelativeResize="0">
+            <a:picLocks noGrp="1"/>
+          </p:cNvPicPr>
           <p:nvPr>
             <p:ph sz="half" idx="2"/>
           </p:nvPr>
-        </p:nvSpPr>
-        <p:spPr>
-          <a:xfrm>
-            <a:off x="3505200" y="1845735"/>
-            <a:ext cx="7650480" cy="4023360"/>
-          </a:xfrm>
-        </p:spPr>
-        <p:txBody>
-          <a:bodyPr>
-            <a:normAutofit/>
-          </a:bodyPr>
-          <a:lstStyle/>
-          <a:p>
-            <a:endParaRPr lang="en-US"/>
-          </a:p>
-        </p:txBody>
-      </p:sp>
+        </p:nvPicPr>
+        <p:blipFill>
+          <a:blip r:embed="rId2">
+            <a:alphaModFix/>
+          </a:blip>
+          <a:stretch>
+            <a:fillRect/>
+          </a:stretch>
+        </p:blipFill>
+        <p:spPr>
+          <a:xfrm>
+            <a:off x="3688627" y="1846263"/>
+            <a:ext cx="7283309" cy="4022725"/>
+          </a:xfrm>
+          <a:prstGeom prst="rect">
+            <a:avLst/>
+          </a:prstGeom>
+          <a:noFill/>
+          <a:ln>
+            <a:noFill/>
+          </a:ln>
+        </p:spPr>
+      </p:pic>
     </p:spTree>
     <p:extLst>
       <p:ext uri="{BB962C8B-B14F-4D97-AF65-F5344CB8AC3E}">
         <p14:creationId xmlns:p14="http://schemas.microsoft.com/office/powerpoint/2010/main" val="2388404033"/>
+      </p:ext>
+    </p:extLst>
+  </p:cSld>
+  <p:clrMapOvr>
+    <a:masterClrMapping/>
+  </p:clrMapOvr>
+</p:sld>
+</file>
+
+<file path=ppt/slides/slide9.xml><?xml version="1.0" encoding="utf-8"?>
+<p:sld xmlns:a="http://schemas.openxmlformats.org/drawingml/2006/main" xmlns:r="http://schemas.openxmlformats.org/officeDocument/2006/relationships" xmlns:p="http://schemas.openxmlformats.org/presentationml/2006/main">
+  <p:cSld>
+    <p:spTree>
+      <p:nvGrpSpPr>
+        <p:cNvPr id="1" name=""/>
+        <p:cNvGrpSpPr/>
+        <p:nvPr/>
+      </p:nvGrpSpPr>
+      <p:grpSpPr>
+        <a:xfrm>
+          <a:off x="0" y="0"/>
+          <a:ext cx="0" cy="0"/>
+          <a:chOff x="0" y="0"/>
+          <a:chExt cx="0" cy="0"/>
+        </a:xfrm>
+      </p:grpSpPr>
+      <p:sp>
+        <p:nvSpPr>
+          <p:cNvPr id="5" name="Title 4">
+            <a:extLst>
+              <a:ext uri="{FF2B5EF4-FFF2-40B4-BE49-F238E27FC236}">
+                <a16:creationId xmlns:a16="http://schemas.microsoft.com/office/drawing/2014/main" id="{60C1DF04-8C8F-41A3-AB77-7B6EEA9D23F3}"/>
+              </a:ext>
+            </a:extLst>
+          </p:cNvPr>
+          <p:cNvSpPr>
+            <a:spLocks noGrp="1"/>
+          </p:cNvSpPr>
+          <p:nvPr>
+            <p:ph type="title"/>
+          </p:nvPr>
+        </p:nvSpPr>
+        <p:spPr>
+          <a:xfrm>
+            <a:off x="1066800" y="2703622"/>
+            <a:ext cx="10058400" cy="1450757"/>
+          </a:xfrm>
+        </p:spPr>
+        <p:txBody>
+          <a:bodyPr anchor="ctr"/>
+          <a:lstStyle/>
+          <a:p>
+            <a:pPr algn="ctr"/>
+            <a:r>
+              <a:rPr lang="en-US" dirty="0"/>
+              <a:t>THANK YOU!</a:t>
+            </a:r>
+          </a:p>
+        </p:txBody>
+      </p:sp>
+    </p:spTree>
+    <p:extLst>
+      <p:ext uri="{BB962C8B-B14F-4D97-AF65-F5344CB8AC3E}">
+        <p14:creationId xmlns:p14="http://schemas.microsoft.com/office/powerpoint/2010/main" val="995454654"/>
       </p:ext>
     </p:extLst>
   </p:cSld>
